--- a/DAE15_Kinoo_Lucas_GPP-Exam2022/GPP_ZombieAI_KinooLucas_2DAE15.pptx
+++ b/DAE15_Kinoo_Lucas_GPP-Exam2022/GPP_ZombieAI_KinooLucas_2DAE15.pptx
@@ -328,7 +328,7 @@
           <a:p>
             <a:fld id="{82085877-2B37-48E7-8B6D-4D4ED486130A}" type="datetimeFigureOut">
               <a:rPr lang="en-BE" smtClean="0"/>
-              <a:t>12/17/2021</a:t>
+              <a:t>12/01/2023</a:t>
             </a:fld>
             <a:endParaRPr lang="en-BE"/>
           </a:p>
@@ -528,7 +528,7 @@
           <a:p>
             <a:fld id="{82085877-2B37-48E7-8B6D-4D4ED486130A}" type="datetimeFigureOut">
               <a:rPr lang="en-BE" smtClean="0"/>
-              <a:t>12/17/2021</a:t>
+              <a:t>12/01/2023</a:t>
             </a:fld>
             <a:endParaRPr lang="en-BE"/>
           </a:p>
@@ -738,7 +738,7 @@
           <a:p>
             <a:fld id="{82085877-2B37-48E7-8B6D-4D4ED486130A}" type="datetimeFigureOut">
               <a:rPr lang="en-BE" smtClean="0"/>
-              <a:t>12/17/2021</a:t>
+              <a:t>12/01/2023</a:t>
             </a:fld>
             <a:endParaRPr lang="en-BE"/>
           </a:p>
@@ -938,7 +938,7 @@
           <a:p>
             <a:fld id="{82085877-2B37-48E7-8B6D-4D4ED486130A}" type="datetimeFigureOut">
               <a:rPr lang="en-BE" smtClean="0"/>
-              <a:t>12/17/2021</a:t>
+              <a:t>12/01/2023</a:t>
             </a:fld>
             <a:endParaRPr lang="en-BE"/>
           </a:p>
@@ -1214,7 +1214,7 @@
           <a:p>
             <a:fld id="{82085877-2B37-48E7-8B6D-4D4ED486130A}" type="datetimeFigureOut">
               <a:rPr lang="en-BE" smtClean="0"/>
-              <a:t>12/17/2021</a:t>
+              <a:t>12/01/2023</a:t>
             </a:fld>
             <a:endParaRPr lang="en-BE"/>
           </a:p>
@@ -1482,7 +1482,7 @@
           <a:p>
             <a:fld id="{82085877-2B37-48E7-8B6D-4D4ED486130A}" type="datetimeFigureOut">
               <a:rPr lang="en-BE" smtClean="0"/>
-              <a:t>12/17/2021</a:t>
+              <a:t>12/01/2023</a:t>
             </a:fld>
             <a:endParaRPr lang="en-BE"/>
           </a:p>
@@ -1897,7 +1897,7 @@
           <a:p>
             <a:fld id="{82085877-2B37-48E7-8B6D-4D4ED486130A}" type="datetimeFigureOut">
               <a:rPr lang="en-BE" smtClean="0"/>
-              <a:t>12/17/2021</a:t>
+              <a:t>12/01/2023</a:t>
             </a:fld>
             <a:endParaRPr lang="en-BE"/>
           </a:p>
@@ -2039,7 +2039,7 @@
           <a:p>
             <a:fld id="{82085877-2B37-48E7-8B6D-4D4ED486130A}" type="datetimeFigureOut">
               <a:rPr lang="en-BE" smtClean="0"/>
-              <a:t>12/17/2021</a:t>
+              <a:t>12/01/2023</a:t>
             </a:fld>
             <a:endParaRPr lang="en-BE"/>
           </a:p>
@@ -2152,7 +2152,7 @@
           <a:p>
             <a:fld id="{82085877-2B37-48E7-8B6D-4D4ED486130A}" type="datetimeFigureOut">
               <a:rPr lang="en-BE" smtClean="0"/>
-              <a:t>12/17/2021</a:t>
+              <a:t>12/01/2023</a:t>
             </a:fld>
             <a:endParaRPr lang="en-BE"/>
           </a:p>
@@ -2465,7 +2465,7 @@
           <a:p>
             <a:fld id="{82085877-2B37-48E7-8B6D-4D4ED486130A}" type="datetimeFigureOut">
               <a:rPr lang="en-BE" smtClean="0"/>
-              <a:t>12/17/2021</a:t>
+              <a:t>12/01/2023</a:t>
             </a:fld>
             <a:endParaRPr lang="en-BE"/>
           </a:p>
@@ -2754,7 +2754,7 @@
           <a:p>
             <a:fld id="{82085877-2B37-48E7-8B6D-4D4ED486130A}" type="datetimeFigureOut">
               <a:rPr lang="en-BE" smtClean="0"/>
-              <a:t>12/17/2021</a:t>
+              <a:t>12/01/2023</a:t>
             </a:fld>
             <a:endParaRPr lang="en-BE"/>
           </a:p>
@@ -2997,7 +2997,7 @@
           <a:p>
             <a:fld id="{82085877-2B37-48E7-8B6D-4D4ED486130A}" type="datetimeFigureOut">
               <a:rPr lang="en-BE" smtClean="0"/>
-              <a:t>12/17/2021</a:t>
+              <a:t>12/01/2023</a:t>
             </a:fld>
             <a:endParaRPr lang="en-BE"/>
           </a:p>
@@ -3464,29 +3464,7 @@
           <a:bodyPr/>
           <a:lstStyle/>
           <a:p>
-            <a:r>
-              <a:rPr lang="en-US" i="1">
-                <a:solidFill>
-                  <a:schemeClr val="bg1">
-                    <a:lumMod val="75000"/>
-                  </a:schemeClr>
-                </a:solidFill>
-              </a:rPr>
-              <a:t>Delete all comments after reading</a:t>
-            </a:r>
-          </a:p>
-          <a:p>
-            <a:r>
-              <a:rPr lang="en-US" i="1">
-                <a:solidFill>
-                  <a:schemeClr val="bg1">
-                    <a:lumMod val="75000"/>
-                  </a:schemeClr>
-                </a:solidFill>
-              </a:rPr>
-              <a:t>You are not allowed to add more slides to this presentation</a:t>
-            </a:r>
-            <a:endParaRPr lang="en-BE" i="1">
+            <a:endParaRPr lang="en-BE" i="1" dirty="0">
               <a:solidFill>
                 <a:schemeClr val="bg1">
                   <a:lumMod val="75000"/>
@@ -3548,54 +3526,48 @@
           <a:lstStyle/>
           <a:p>
             <a:r>
-              <a:rPr lang="en-US"/>
+              <a:rPr lang="en-US" dirty="0"/>
               <a:t>Decision Making</a:t>
             </a:r>
-            <a:endParaRPr lang="en-BE"/>
-          </a:p>
-        </p:txBody>
-      </p:sp>
-      <p:sp>
-        <p:nvSpPr>
-          <p:cNvPr id="3" name="Content Placeholder 2">
-            <a:extLst>
-              <a:ext uri="{FF2B5EF4-FFF2-40B4-BE49-F238E27FC236}">
-                <a16:creationId xmlns:a16="http://schemas.microsoft.com/office/drawing/2014/main" id="{64915428-ACD8-4B22-96DC-2806680ED3AB}"/>
-              </a:ext>
-            </a:extLst>
-          </p:cNvPr>
-          <p:cNvSpPr>
-            <a:spLocks noGrp="1"/>
-          </p:cNvSpPr>
+            <a:endParaRPr lang="en-BE" dirty="0"/>
+          </a:p>
+        </p:txBody>
+      </p:sp>
+      <p:pic>
+        <p:nvPicPr>
+          <p:cNvPr id="5" name="Content Placeholder 4" descr="Diagram&#10;&#10;Description automatically generated">
+            <a:extLst>
+              <a:ext uri="{FF2B5EF4-FFF2-40B4-BE49-F238E27FC236}">
+                <a16:creationId xmlns:a16="http://schemas.microsoft.com/office/drawing/2014/main" id="{5F51F4F3-FA27-CB38-1F26-18E6CA02D9D1}"/>
+              </a:ext>
+            </a:extLst>
+          </p:cNvPr>
+          <p:cNvPicPr>
+            <a:picLocks noGrp="1" noChangeAspect="1"/>
+          </p:cNvPicPr>
           <p:nvPr>
             <p:ph idx="1"/>
           </p:nvPr>
-        </p:nvSpPr>
-        <p:spPr/>
-        <p:txBody>
-          <a:bodyPr/>
-          <a:lstStyle/>
-          <a:p>
-            <a:r>
-              <a:rPr lang="en-US" i="1">
-                <a:solidFill>
-                  <a:schemeClr val="bg1">
-                    <a:lumMod val="75000"/>
-                  </a:schemeClr>
-                </a:solidFill>
-              </a:rPr>
-              <a:t>Visualization of your decision making structure (readable!)</a:t>
-            </a:r>
-            <a:endParaRPr lang="en-BE" i="1">
-              <a:solidFill>
-                <a:schemeClr val="bg1">
-                  <a:lumMod val="75000"/>
-                </a:schemeClr>
-              </a:solidFill>
-            </a:endParaRPr>
-          </a:p>
-        </p:txBody>
-      </p:sp>
+        </p:nvPicPr>
+        <p:blipFill>
+          <a:blip r:embed="rId2">
+            <a:extLst>
+              <a:ext uri="{28A0092B-C50C-407E-A947-70E740481C1C}">
+                <a14:useLocalDpi xmlns:a14="http://schemas.microsoft.com/office/drawing/2010/main" val="0"/>
+              </a:ext>
+            </a:extLst>
+          </a:blip>
+          <a:stretch>
+            <a:fillRect/>
+          </a:stretch>
+        </p:blipFill>
+        <p:spPr>
+          <a:xfrm>
+            <a:off x="-275570" y="1873522"/>
+            <a:ext cx="7735711" cy="4351338"/>
+          </a:xfrm>
+        </p:spPr>
+      </p:pic>
     </p:spTree>
     <p:extLst>
       <p:ext uri="{BB962C8B-B14F-4D97-AF65-F5344CB8AC3E}">
@@ -3648,67 +3620,48 @@
           <a:lstStyle/>
           <a:p>
             <a:r>
-              <a:rPr lang="en-US"/>
+              <a:rPr lang="en-US" dirty="0"/>
               <a:t>Enemy handling</a:t>
             </a:r>
-            <a:endParaRPr lang="en-BE"/>
-          </a:p>
-        </p:txBody>
-      </p:sp>
-      <p:sp>
-        <p:nvSpPr>
-          <p:cNvPr id="3" name="Content Placeholder 2">
-            <a:extLst>
-              <a:ext uri="{FF2B5EF4-FFF2-40B4-BE49-F238E27FC236}">
-                <a16:creationId xmlns:a16="http://schemas.microsoft.com/office/drawing/2014/main" id="{64915428-ACD8-4B22-96DC-2806680ED3AB}"/>
-              </a:ext>
-            </a:extLst>
-          </p:cNvPr>
-          <p:cNvSpPr>
-            <a:spLocks noGrp="1"/>
-          </p:cNvSpPr>
+            <a:endParaRPr lang="en-BE" dirty="0"/>
+          </a:p>
+        </p:txBody>
+      </p:sp>
+      <p:pic>
+        <p:nvPicPr>
+          <p:cNvPr id="5" name="Content Placeholder 4" descr="Diagram&#10;&#10;Description automatically generated">
+            <a:extLst>
+              <a:ext uri="{FF2B5EF4-FFF2-40B4-BE49-F238E27FC236}">
+                <a16:creationId xmlns:a16="http://schemas.microsoft.com/office/drawing/2014/main" id="{3053698F-3B37-8B59-2762-F54F2FB53FA1}"/>
+              </a:ext>
+            </a:extLst>
+          </p:cNvPr>
+          <p:cNvPicPr>
+            <a:picLocks noGrp="1" noChangeAspect="1"/>
+          </p:cNvPicPr>
           <p:nvPr>
             <p:ph idx="1"/>
           </p:nvPr>
-        </p:nvSpPr>
-        <p:spPr/>
-        <p:txBody>
-          <a:bodyPr/>
-          <a:lstStyle/>
-          <a:p>
-            <a:r>
-              <a:rPr lang="en-US" i="1">
-                <a:solidFill>
-                  <a:schemeClr val="bg1">
-                    <a:lumMod val="75000"/>
-                  </a:schemeClr>
-                </a:solidFill>
-              </a:rPr>
-              <a:t>How does your agent deal with enemies (aiming, shooting, item usage, avoidance, hiding, usage of sprint, …)?</a:t>
-            </a:r>
-            <a:endParaRPr lang="en-BE" i="1">
-              <a:solidFill>
-                <a:schemeClr val="bg1">
-                  <a:lumMod val="75000"/>
-                </a:schemeClr>
-              </a:solidFill>
-            </a:endParaRPr>
-          </a:p>
-          <a:p>
-            <a:r>
-              <a:rPr lang="en-US" i="1">
-                <a:solidFill>
-                  <a:schemeClr val="bg1">
-                    <a:lumMod val="75000"/>
-                  </a:schemeClr>
-                </a:solidFill>
-              </a:rPr>
-              <a:t>USE IMAGES/GIFS</a:t>
-            </a:r>
-            <a:endParaRPr lang="en-BE"/>
-          </a:p>
-        </p:txBody>
-      </p:sp>
+        </p:nvPicPr>
+        <p:blipFill>
+          <a:blip r:embed="rId2">
+            <a:extLst>
+              <a:ext uri="{28A0092B-C50C-407E-A947-70E740481C1C}">
+                <a14:useLocalDpi xmlns:a14="http://schemas.microsoft.com/office/drawing/2010/main" val="0"/>
+              </a:ext>
+            </a:extLst>
+          </a:blip>
+          <a:stretch>
+            <a:fillRect/>
+          </a:stretch>
+        </p:blipFill>
+        <p:spPr>
+          <a:xfrm>
+            <a:off x="-1838759" y="1821271"/>
+            <a:ext cx="7735711" cy="4351338"/>
+          </a:xfrm>
+        </p:spPr>
+      </p:pic>
     </p:spTree>
     <p:extLst>
       <p:ext uri="{BB962C8B-B14F-4D97-AF65-F5344CB8AC3E}">
@@ -3761,57 +3714,84 @@
           <a:lstStyle/>
           <a:p>
             <a:r>
-              <a:rPr lang="en-US"/>
+              <a:rPr lang="en-US" dirty="0"/>
               <a:t>Inventory</a:t>
             </a:r>
-            <a:endParaRPr lang="en-BE"/>
-          </a:p>
-        </p:txBody>
-      </p:sp>
-      <p:sp>
-        <p:nvSpPr>
-          <p:cNvPr id="3" name="Content Placeholder 2">
-            <a:extLst>
-              <a:ext uri="{FF2B5EF4-FFF2-40B4-BE49-F238E27FC236}">
-                <a16:creationId xmlns:a16="http://schemas.microsoft.com/office/drawing/2014/main" id="{64915428-ACD8-4B22-96DC-2806680ED3AB}"/>
-              </a:ext>
-            </a:extLst>
-          </p:cNvPr>
-          <p:cNvSpPr>
-            <a:spLocks noGrp="1"/>
-          </p:cNvSpPr>
+            <a:endParaRPr lang="en-BE" dirty="0"/>
+          </a:p>
+        </p:txBody>
+      </p:sp>
+      <p:pic>
+        <p:nvPicPr>
+          <p:cNvPr id="9" name="Content Placeholder 8" descr="Diagram&#10;&#10;Description automatically generated">
+            <a:extLst>
+              <a:ext uri="{FF2B5EF4-FFF2-40B4-BE49-F238E27FC236}">
+                <a16:creationId xmlns:a16="http://schemas.microsoft.com/office/drawing/2014/main" id="{FF096E99-B6F8-C2BA-A9B8-FA996A9963B2}"/>
+              </a:ext>
+            </a:extLst>
+          </p:cNvPr>
+          <p:cNvPicPr>
+            <a:picLocks noGrp="1" noChangeAspect="1"/>
+          </p:cNvPicPr>
           <p:nvPr>
             <p:ph idx="1"/>
           </p:nvPr>
-        </p:nvSpPr>
-        <p:spPr/>
-        <p:txBody>
-          <a:bodyPr/>
-          <a:lstStyle/>
-          <a:p>
-            <a:r>
-              <a:rPr lang="en-US" i="1">
-                <a:solidFill>
-                  <a:schemeClr val="bg1">
-                    <a:lumMod val="75000"/>
-                  </a:schemeClr>
-                </a:solidFill>
-              </a:rPr>
-              <a:t>How does your agent manage its inventory (inventory organization, item usage, picking up and remembering items,…)? </a:t>
-            </a:r>
-            <a:endParaRPr lang="en-BE" i="1">
-              <a:solidFill>
-                <a:schemeClr val="bg1">
-                  <a:lumMod val="75000"/>
-                </a:schemeClr>
-              </a:solidFill>
-            </a:endParaRPr>
-          </a:p>
-          <a:p>
-            <a:endParaRPr lang="en-BE"/>
-          </a:p>
-        </p:txBody>
-      </p:sp>
+        </p:nvPicPr>
+        <p:blipFill>
+          <a:blip r:embed="rId2">
+            <a:extLst>
+              <a:ext uri="{28A0092B-C50C-407E-A947-70E740481C1C}">
+                <a14:useLocalDpi xmlns:a14="http://schemas.microsoft.com/office/drawing/2010/main" val="0"/>
+              </a:ext>
+            </a:extLst>
+          </a:blip>
+          <a:stretch>
+            <a:fillRect/>
+          </a:stretch>
+        </p:blipFill>
+        <p:spPr>
+          <a:xfrm>
+            <a:off x="3557895" y="728345"/>
+            <a:ext cx="9937286" cy="5589724"/>
+          </a:xfrm>
+        </p:spPr>
+      </p:pic>
+      <p:pic>
+        <p:nvPicPr>
+          <p:cNvPr id="11" name="Picture 10" descr="Diagram&#10;&#10;Description automatically generated with low confidence">
+            <a:extLst>
+              <a:ext uri="{FF2B5EF4-FFF2-40B4-BE49-F238E27FC236}">
+                <a16:creationId xmlns:a16="http://schemas.microsoft.com/office/drawing/2014/main" id="{9889AC0D-0156-7C5E-C7E3-6D81AF623554}"/>
+              </a:ext>
+            </a:extLst>
+          </p:cNvPr>
+          <p:cNvPicPr>
+            <a:picLocks noChangeAspect="1"/>
+          </p:cNvPicPr>
+          <p:nvPr/>
+        </p:nvPicPr>
+        <p:blipFill>
+          <a:blip r:embed="rId3">
+            <a:extLst>
+              <a:ext uri="{28A0092B-C50C-407E-A947-70E740481C1C}">
+                <a14:useLocalDpi xmlns:a14="http://schemas.microsoft.com/office/drawing/2010/main" val="0"/>
+              </a:ext>
+            </a:extLst>
+          </a:blip>
+          <a:stretch>
+            <a:fillRect/>
+          </a:stretch>
+        </p:blipFill>
+        <p:spPr>
+          <a:xfrm>
+            <a:off x="-901337" y="2242910"/>
+            <a:ext cx="6392091" cy="3595551"/>
+          </a:xfrm>
+          <a:prstGeom prst="rect">
+            <a:avLst/>
+          </a:prstGeom>
+        </p:spPr>
+      </p:pic>
     </p:spTree>
     <p:extLst>
       <p:ext uri="{BB962C8B-B14F-4D97-AF65-F5344CB8AC3E}">
@@ -3871,86 +3851,41 @@
           </a:p>
         </p:txBody>
       </p:sp>
-      <p:sp>
-        <p:nvSpPr>
-          <p:cNvPr id="3" name="Content Placeholder 2">
-            <a:extLst>
-              <a:ext uri="{FF2B5EF4-FFF2-40B4-BE49-F238E27FC236}">
-                <a16:creationId xmlns:a16="http://schemas.microsoft.com/office/drawing/2014/main" id="{64915428-ACD8-4B22-96DC-2806680ED3AB}"/>
-              </a:ext>
-            </a:extLst>
-          </p:cNvPr>
-          <p:cNvSpPr>
-            <a:spLocks noGrp="1"/>
-          </p:cNvSpPr>
+      <p:pic>
+        <p:nvPicPr>
+          <p:cNvPr id="5" name="Content Placeholder 4" descr="Diagram&#10;&#10;Description automatically generated with medium confidence">
+            <a:extLst>
+              <a:ext uri="{FF2B5EF4-FFF2-40B4-BE49-F238E27FC236}">
+                <a16:creationId xmlns:a16="http://schemas.microsoft.com/office/drawing/2014/main" id="{C0699761-B9CD-7119-B41C-DDCDCCF87F5E}"/>
+              </a:ext>
+            </a:extLst>
+          </p:cNvPr>
+          <p:cNvPicPr>
+            <a:picLocks noGrp="1" noChangeAspect="1"/>
+          </p:cNvPicPr>
           <p:nvPr>
             <p:ph idx="1"/>
           </p:nvPr>
-        </p:nvSpPr>
-        <p:spPr/>
-        <p:txBody>
-          <a:bodyPr/>
-          <a:lstStyle/>
-          <a:p>
-            <a:r>
-              <a:rPr lang="en-US" i="1">
-                <a:solidFill>
-                  <a:schemeClr val="bg1">
-                    <a:lumMod val="75000"/>
-                  </a:schemeClr>
-                </a:solidFill>
-              </a:rPr>
-              <a:t>How does your agent explore the world ( how does it traverse the world, when and why does it visit houses, does it have a memory?)?</a:t>
-            </a:r>
-          </a:p>
-          <a:p>
-            <a:r>
-              <a:rPr lang="en-US" i="1">
-                <a:solidFill>
-                  <a:schemeClr val="bg1">
-                    <a:lumMod val="75000"/>
-                  </a:schemeClr>
-                </a:solidFill>
-              </a:rPr>
-              <a:t>USE IMAGES/GIFS</a:t>
-            </a:r>
-          </a:p>
-          <a:p>
-            <a:endParaRPr lang="en-US" i="1">
-              <a:solidFill>
-                <a:schemeClr val="bg1">
-                  <a:lumMod val="75000"/>
-                </a:schemeClr>
-              </a:solidFill>
-            </a:endParaRPr>
-          </a:p>
-          <a:p>
-            <a:r>
-              <a:rPr lang="en-US" i="1">
-                <a:solidFill>
-                  <a:schemeClr val="bg1">
-                    <a:lumMod val="75000"/>
-                  </a:schemeClr>
-                </a:solidFill>
-              </a:rPr>
-              <a:t>How many steering behaviors does it use? Does it use blended steering?</a:t>
-            </a:r>
-            <a:endParaRPr lang="en-BE" i="1">
-              <a:solidFill>
-                <a:schemeClr val="bg1">
-                  <a:lumMod val="75000"/>
-                </a:schemeClr>
-              </a:solidFill>
-            </a:endParaRPr>
-          </a:p>
-          <a:p>
-            <a:pPr marL="0" indent="0">
-              <a:buNone/>
-            </a:pPr>
-            <a:endParaRPr lang="en-BE"/>
-          </a:p>
-        </p:txBody>
-      </p:sp>
+        </p:nvPicPr>
+        <p:blipFill>
+          <a:blip r:embed="rId2">
+            <a:extLst>
+              <a:ext uri="{28A0092B-C50C-407E-A947-70E740481C1C}">
+                <a14:useLocalDpi xmlns:a14="http://schemas.microsoft.com/office/drawing/2010/main" val="0"/>
+              </a:ext>
+            </a:extLst>
+          </a:blip>
+          <a:stretch>
+            <a:fillRect/>
+          </a:stretch>
+        </p:blipFill>
+        <p:spPr>
+          <a:xfrm>
+            <a:off x="320967" y="1808208"/>
+            <a:ext cx="7735711" cy="4351338"/>
+          </a:xfrm>
+        </p:spPr>
+      </p:pic>
     </p:spTree>
     <p:extLst>
       <p:ext uri="{BB962C8B-B14F-4D97-AF65-F5344CB8AC3E}">
@@ -4630,6 +4565,15 @@
 </file>
 
 <file path=customXml/item2.xml><?xml version="1.0" encoding="utf-8"?>
+<?mso-contentType ?>
+<FormTemplates xmlns="http://schemas.microsoft.com/sharepoint/v3/contenttype/forms">
+  <Display>DocumentLibraryForm</Display>
+  <Edit>DocumentLibraryForm</Edit>
+  <New>DocumentLibraryForm</New>
+</FormTemplates>
+</file>
+
+<file path=customXml/item3.xml><?xml version="1.0" encoding="utf-8"?>
 <p:properties xmlns:p="http://schemas.microsoft.com/office/2006/metadata/properties" xmlns:xsi="http://www.w3.org/2001/XMLSchema-instance" xmlns:pc="http://schemas.microsoft.com/office/infopath/2007/PartnerControls">
   <documentManagement>
     <IconOverlay xmlns="http://schemas.microsoft.com/sharepoint/v4" xsi:nil="true"/>
@@ -4644,34 +4588,43 @@
 </p:properties>
 </file>
 
-<file path=customXml/item3.xml><?xml version="1.0" encoding="utf-8"?>
-<?mso-contentType ?>
-<FormTemplates xmlns="http://schemas.microsoft.com/sharepoint/v3/contenttype/forms">
-  <Display>DocumentLibraryForm</Display>
-  <Edit>DocumentLibraryForm</Edit>
-  <New>DocumentLibraryForm</New>
-</FormTemplates>
-</file>
-
 <file path=customXml/itemProps1.xml><?xml version="1.0" encoding="utf-8"?>
-<ds:datastoreItem xmlns:ds="http://schemas.openxmlformats.org/officeDocument/2006/customXml" ds:itemID="{CB95CD2F-7AF1-41D4-B9F6-F2104A185175}"/>
+<ds:datastoreItem xmlns:ds="http://schemas.openxmlformats.org/officeDocument/2006/customXml" ds:itemID="{CB95CD2F-7AF1-41D4-B9F6-F2104A185175}">
+  <ds:schemaRefs>
+    <ds:schemaRef ds:uri="http://schemas.microsoft.com/office/2006/metadata/contentType"/>
+    <ds:schemaRef ds:uri="http://schemas.microsoft.com/office/2006/metadata/properties/metaAttributes"/>
+    <ds:schemaRef ds:uri="http://www.w3.org/2001/XMLSchema"/>
+    <ds:schemaRef ds:uri="http://schemas.microsoft.com/office/2006/metadata/properties"/>
+    <ds:schemaRef ds:uri="128482ec-0431-40d5-ab26-89ea2a4f3ccd"/>
+    <ds:schemaRef ds:uri="60eb0cf4-ae2a-4762-800a-cb593b869ecb"/>
+    <ds:schemaRef ds:uri="http://schemas.microsoft.com/sharepoint/v4"/>
+    <ds:schemaRef ds:uri="a2e691a9-fcfc-4d85-a390-1894fe98bd9e"/>
+    <ds:schemaRef ds:uri="http://schemas.microsoft.com/office/2006/documentManagement/types"/>
+    <ds:schemaRef ds:uri="http://schemas.microsoft.com/office/infopath/2007/PartnerControls"/>
+    <ds:schemaRef ds:uri="http://schemas.openxmlformats.org/package/2006/metadata/core-properties"/>
+    <ds:schemaRef ds:uri="http://purl.org/dc/elements/1.1/"/>
+    <ds:schemaRef ds:uri="http://purl.org/dc/terms/"/>
+    <ds:schemaRef ds:uri="http://schemas.microsoft.com/internal/obd"/>
+  </ds:schemaRefs>
+</ds:datastoreItem>
 </file>
 
 <file path=customXml/itemProps2.xml><?xml version="1.0" encoding="utf-8"?>
+<ds:datastoreItem xmlns:ds="http://schemas.openxmlformats.org/officeDocument/2006/customXml" ds:itemID="{AF8EC6D1-CB19-4400-AD0A-0C75CD884AEA}">
+  <ds:schemaRefs>
+    <ds:schemaRef ds:uri="http://schemas.microsoft.com/sharepoint/v3/contenttype/forms"/>
+  </ds:schemaRefs>
+</ds:datastoreItem>
+</file>
+
+<file path=customXml/itemProps3.xml><?xml version="1.0" encoding="utf-8"?>
 <ds:datastoreItem xmlns:ds="http://schemas.openxmlformats.org/officeDocument/2006/customXml" ds:itemID="{B743389A-7EE0-4951-8919-E91DD69E3687}">
   <ds:schemaRefs>
     <ds:schemaRef ds:uri="128482ec-0431-40d5-ab26-89ea2a4f3ccd"/>
     <ds:schemaRef ds:uri="http://schemas.microsoft.com/office/2006/metadata/properties"/>
     <ds:schemaRef ds:uri="http://schemas.microsoft.com/office/infopath/2007/PartnerControls"/>
     <ds:schemaRef ds:uri="http://schemas.microsoft.com/sharepoint/v4"/>
-  </ds:schemaRefs>
-</ds:datastoreItem>
-</file>
-
-<file path=customXml/itemProps3.xml><?xml version="1.0" encoding="utf-8"?>
-<ds:datastoreItem xmlns:ds="http://schemas.openxmlformats.org/officeDocument/2006/customXml" ds:itemID="{AF8EC6D1-CB19-4400-AD0A-0C75CD884AEA}">
-  <ds:schemaRefs>
-    <ds:schemaRef ds:uri="http://schemas.microsoft.com/sharepoint/v3/contenttype/forms"/>
+    <ds:schemaRef ds:uri="60eb0cf4-ae2a-4762-800a-cb593b869ecb"/>
   </ds:schemaRefs>
 </ds:datastoreItem>
 </file>
--- a/DAE15_Kinoo_Lucas_GPP-Exam2022/GPP_ZombieAI_KinooLucas_2DAE15.pptx
+++ b/DAE15_Kinoo_Lucas_GPP-Exam2022/GPP_ZombieAI_KinooLucas_2DAE15.pptx
@@ -3464,6 +3464,16 @@
           <a:bodyPr/>
           <a:lstStyle/>
           <a:p>
+            <a:r>
+              <a:rPr lang="en-US" i="1" dirty="0">
+                <a:solidFill>
+                  <a:schemeClr val="bg1">
+                    <a:lumMod val="75000"/>
+                  </a:schemeClr>
+                </a:solidFill>
+              </a:rPr>
+              <a:t>Lucas Kinoo - 2DAE15</a:t>
+            </a:r>
             <a:endParaRPr lang="en-BE" i="1" dirty="0">
               <a:solidFill>
                 <a:schemeClr val="bg1">
@@ -3662,6 +3672,42 @@
           </a:xfrm>
         </p:spPr>
       </p:pic>
+      <p:pic>
+        <p:nvPicPr>
+          <p:cNvPr id="4" name="Picture 3" descr="Text&#10;&#10;Description automatically generated">
+            <a:extLst>
+              <a:ext uri="{FF2B5EF4-FFF2-40B4-BE49-F238E27FC236}">
+                <a16:creationId xmlns:a16="http://schemas.microsoft.com/office/drawing/2014/main" id="{A50D750F-2B3D-B593-72B7-ABF899D5723A}"/>
+              </a:ext>
+            </a:extLst>
+          </p:cNvPr>
+          <p:cNvPicPr>
+            <a:picLocks noChangeAspect="1"/>
+          </p:cNvPicPr>
+          <p:nvPr/>
+        </p:nvPicPr>
+        <p:blipFill>
+          <a:blip r:embed="rId3">
+            <a:extLst>
+              <a:ext uri="{28A0092B-C50C-407E-A947-70E740481C1C}">
+                <a14:useLocalDpi xmlns:a14="http://schemas.microsoft.com/office/drawing/2010/main" val="0"/>
+              </a:ext>
+            </a:extLst>
+          </a:blip>
+          <a:stretch>
+            <a:fillRect/>
+          </a:stretch>
+        </p:blipFill>
+        <p:spPr>
+          <a:xfrm>
+            <a:off x="4960915" y="2157115"/>
+            <a:ext cx="6128065" cy="2717940"/>
+          </a:xfrm>
+          <a:prstGeom prst="rect">
+            <a:avLst/>
+          </a:prstGeom>
+        </p:spPr>
+      </p:pic>
     </p:spTree>
     <p:extLst>
       <p:ext uri="{BB962C8B-B14F-4D97-AF65-F5344CB8AC3E}">
@@ -3751,7 +3797,7 @@
         </p:blipFill>
         <p:spPr>
           <a:xfrm>
-            <a:off x="3557895" y="728345"/>
+            <a:off x="4620340" y="365125"/>
             <a:ext cx="9937286" cy="5589724"/>
           </a:xfrm>
         </p:spPr>
@@ -3784,8 +3830,44 @@
         </p:blipFill>
         <p:spPr>
           <a:xfrm>
-            <a:off x="-901337" y="2242910"/>
+            <a:off x="3367577" y="310956"/>
             <a:ext cx="6392091" cy="3595551"/>
+          </a:xfrm>
+          <a:prstGeom prst="rect">
+            <a:avLst/>
+          </a:prstGeom>
+        </p:spPr>
+      </p:pic>
+      <p:pic>
+        <p:nvPicPr>
+          <p:cNvPr id="4" name="Picture 3" descr="Text&#10;&#10;Description automatically generated">
+            <a:extLst>
+              <a:ext uri="{FF2B5EF4-FFF2-40B4-BE49-F238E27FC236}">
+                <a16:creationId xmlns:a16="http://schemas.microsoft.com/office/drawing/2014/main" id="{6AECBA40-7C82-4CAF-BB78-E87EF878E3FD}"/>
+              </a:ext>
+            </a:extLst>
+          </p:cNvPr>
+          <p:cNvPicPr>
+            <a:picLocks noChangeAspect="1"/>
+          </p:cNvPicPr>
+          <p:nvPr/>
+        </p:nvPicPr>
+        <p:blipFill>
+          <a:blip r:embed="rId4">
+            <a:extLst>
+              <a:ext uri="{28A0092B-C50C-407E-A947-70E740481C1C}">
+                <a14:useLocalDpi xmlns:a14="http://schemas.microsoft.com/office/drawing/2010/main" val="0"/>
+              </a:ext>
+            </a:extLst>
+          </a:blip>
+          <a:stretch>
+            <a:fillRect/>
+          </a:stretch>
+        </p:blipFill>
+        <p:spPr>
+          <a:xfrm>
+            <a:off x="130760" y="2108732"/>
+            <a:ext cx="5216808" cy="3723432"/>
           </a:xfrm>
           <a:prstGeom prst="rect">
             <a:avLst/>
@@ -3886,6 +3968,78 @@
           </a:xfrm>
         </p:spPr>
       </p:pic>
+      <p:pic>
+        <p:nvPicPr>
+          <p:cNvPr id="4" name="Picture 3" descr="Text&#10;&#10;Description automatically generated">
+            <a:extLst>
+              <a:ext uri="{FF2B5EF4-FFF2-40B4-BE49-F238E27FC236}">
+                <a16:creationId xmlns:a16="http://schemas.microsoft.com/office/drawing/2014/main" id="{94BF9682-DC91-B3A2-AECD-1D07B86BD827}"/>
+              </a:ext>
+            </a:extLst>
+          </p:cNvPr>
+          <p:cNvPicPr>
+            <a:picLocks noChangeAspect="1"/>
+          </p:cNvPicPr>
+          <p:nvPr/>
+        </p:nvPicPr>
+        <p:blipFill>
+          <a:blip r:embed="rId3">
+            <a:extLst>
+              <a:ext uri="{28A0092B-C50C-407E-A947-70E740481C1C}">
+                <a14:useLocalDpi xmlns:a14="http://schemas.microsoft.com/office/drawing/2010/main" val="0"/>
+              </a:ext>
+            </a:extLst>
+          </a:blip>
+          <a:stretch>
+            <a:fillRect/>
+          </a:stretch>
+        </p:blipFill>
+        <p:spPr>
+          <a:xfrm>
+            <a:off x="7564046" y="3429000"/>
+            <a:ext cx="4252656" cy="1857628"/>
+          </a:xfrm>
+          <a:prstGeom prst="rect">
+            <a:avLst/>
+          </a:prstGeom>
+        </p:spPr>
+      </p:pic>
+      <p:pic>
+        <p:nvPicPr>
+          <p:cNvPr id="7" name="Picture 6" descr="Text&#10;&#10;Description automatically generated">
+            <a:extLst>
+              <a:ext uri="{FF2B5EF4-FFF2-40B4-BE49-F238E27FC236}">
+                <a16:creationId xmlns:a16="http://schemas.microsoft.com/office/drawing/2014/main" id="{869CE617-DD19-A8B6-9C1C-C0E77E2E9DF5}"/>
+              </a:ext>
+            </a:extLst>
+          </p:cNvPr>
+          <p:cNvPicPr>
+            <a:picLocks noChangeAspect="1"/>
+          </p:cNvPicPr>
+          <p:nvPr/>
+        </p:nvPicPr>
+        <p:blipFill>
+          <a:blip r:embed="rId4">
+            <a:extLst>
+              <a:ext uri="{28A0092B-C50C-407E-A947-70E740481C1C}">
+                <a14:useLocalDpi xmlns:a14="http://schemas.microsoft.com/office/drawing/2010/main" val="0"/>
+              </a:ext>
+            </a:extLst>
+          </a:blip>
+          <a:stretch>
+            <a:fillRect/>
+          </a:stretch>
+        </p:blipFill>
+        <p:spPr>
+          <a:xfrm>
+            <a:off x="8284054" y="1880462"/>
+            <a:ext cx="2521080" cy="1028753"/>
+          </a:xfrm>
+          <a:prstGeom prst="rect">
+            <a:avLst/>
+          </a:prstGeom>
+        </p:spPr>
+      </p:pic>
     </p:spTree>
     <p:extLst>
       <p:ext uri="{BB962C8B-B14F-4D97-AF65-F5344CB8AC3E}">
@@ -3945,50 +4099,41 @@
           </a:p>
         </p:txBody>
       </p:sp>
-      <p:sp>
-        <p:nvSpPr>
-          <p:cNvPr id="3" name="Content Placeholder 2">
-            <a:extLst>
-              <a:ext uri="{FF2B5EF4-FFF2-40B4-BE49-F238E27FC236}">
-                <a16:creationId xmlns:a16="http://schemas.microsoft.com/office/drawing/2014/main" id="{64915428-ACD8-4B22-96DC-2806680ED3AB}"/>
-              </a:ext>
-            </a:extLst>
-          </p:cNvPr>
-          <p:cNvSpPr>
-            <a:spLocks noGrp="1"/>
-          </p:cNvSpPr>
+      <p:pic>
+        <p:nvPicPr>
+          <p:cNvPr id="5" name="Content Placeholder 4" descr="Graphical user interface&#10;&#10;Description automatically generated">
+            <a:extLst>
+              <a:ext uri="{FF2B5EF4-FFF2-40B4-BE49-F238E27FC236}">
+                <a16:creationId xmlns:a16="http://schemas.microsoft.com/office/drawing/2014/main" id="{3E1741AD-9344-6E71-CF34-A7A3012E0EDA}"/>
+              </a:ext>
+            </a:extLst>
+          </p:cNvPr>
+          <p:cNvPicPr>
+            <a:picLocks noGrp="1" noChangeAspect="1"/>
+          </p:cNvPicPr>
           <p:nvPr>
             <p:ph idx="1"/>
           </p:nvPr>
-        </p:nvSpPr>
-        <p:spPr/>
-        <p:txBody>
-          <a:bodyPr/>
-          <a:lstStyle/>
-          <a:p>
-            <a:pPr marL="0" indent="0">
-              <a:buNone/>
-            </a:pPr>
-            <a:r>
-              <a:rPr lang="en-US">
-                <a:solidFill>
-                  <a:schemeClr val="bg1">
-                    <a:lumMod val="75000"/>
-                  </a:schemeClr>
-                </a:solidFill>
-              </a:rPr>
-              <a:t>Screen shot or list of highest scores</a:t>
-            </a:r>
-            <a:endParaRPr lang="en-BE">
-              <a:solidFill>
-                <a:schemeClr val="bg1">
-                  <a:lumMod val="75000"/>
-                </a:schemeClr>
-              </a:solidFill>
-            </a:endParaRPr>
-          </a:p>
-        </p:txBody>
-      </p:sp>
+        </p:nvPicPr>
+        <p:blipFill>
+          <a:blip r:embed="rId2">
+            <a:extLst>
+              <a:ext uri="{28A0092B-C50C-407E-A947-70E740481C1C}">
+                <a14:useLocalDpi xmlns:a14="http://schemas.microsoft.com/office/drawing/2010/main" val="0"/>
+              </a:ext>
+            </a:extLst>
+          </a:blip>
+          <a:stretch>
+            <a:fillRect/>
+          </a:stretch>
+        </p:blipFill>
+        <p:spPr>
+          <a:xfrm>
+            <a:off x="472658" y="1503407"/>
+            <a:ext cx="8137723" cy="4351338"/>
+          </a:xfrm>
+        </p:spPr>
+      </p:pic>
     </p:spTree>
     <p:extLst>
       <p:ext uri="{BB962C8B-B14F-4D97-AF65-F5344CB8AC3E}">
